--- a/Multimodel.pptx
+++ b/Multimodel.pptx
@@ -12,14 +12,23 @@
     <p:sldId id="260" r:id="rId6"/>
     <p:sldId id="263" r:id="rId7"/>
     <p:sldId id="267" r:id="rId8"/>
-    <p:sldId id="266" r:id="rId9"/>
-    <p:sldId id="270" r:id="rId10"/>
-    <p:sldId id="269" r:id="rId11"/>
-    <p:sldId id="268" r:id="rId12"/>
-    <p:sldId id="261" r:id="rId13"/>
-    <p:sldId id="262" r:id="rId14"/>
-    <p:sldId id="265" r:id="rId15"/>
-    <p:sldId id="264" r:id="rId16"/>
+    <p:sldId id="271" r:id="rId9"/>
+    <p:sldId id="272" r:id="rId10"/>
+    <p:sldId id="273" r:id="rId11"/>
+    <p:sldId id="266" r:id="rId12"/>
+    <p:sldId id="274" r:id="rId13"/>
+    <p:sldId id="275" r:id="rId14"/>
+    <p:sldId id="276" r:id="rId15"/>
+    <p:sldId id="270" r:id="rId16"/>
+    <p:sldId id="269" r:id="rId17"/>
+    <p:sldId id="277" r:id="rId18"/>
+    <p:sldId id="278" r:id="rId19"/>
+    <p:sldId id="279" r:id="rId20"/>
+    <p:sldId id="268" r:id="rId21"/>
+    <p:sldId id="261" r:id="rId22"/>
+    <p:sldId id="262" r:id="rId23"/>
+    <p:sldId id="265" r:id="rId24"/>
+    <p:sldId id="264" r:id="rId25"/>
   </p:sldIdLst>
   <p:sldSz cx="12192000" cy="6858000"/>
   <p:notesSz cx="6858000" cy="9144000"/>
@@ -355,7 +364,7 @@
           <a:p>
             <a:fld id="{68A412BB-EBF7-42A9-BC35-ABCAE2AC9C0C}" type="datetimeFigureOut">
               <a:rPr lang="en-IN" smtClean="0"/>
-              <a:t>10-10-2024</a:t>
+              <a:t>18-10-2024</a:t>
             </a:fld>
             <a:endParaRPr lang="en-IN"/>
           </a:p>
@@ -689,7 +698,7 @@
           <a:p>
             <a:fld id="{68A412BB-EBF7-42A9-BC35-ABCAE2AC9C0C}" type="datetimeFigureOut">
               <a:rPr lang="en-IN" smtClean="0"/>
-              <a:t>10-10-2024</a:t>
+              <a:t>18-10-2024</a:t>
             </a:fld>
             <a:endParaRPr lang="en-IN"/>
           </a:p>
@@ -967,7 +976,7 @@
           <a:p>
             <a:fld id="{68A412BB-EBF7-42A9-BC35-ABCAE2AC9C0C}" type="datetimeFigureOut">
               <a:rPr lang="en-IN" smtClean="0"/>
-              <a:t>10-10-2024</a:t>
+              <a:t>18-10-2024</a:t>
             </a:fld>
             <a:endParaRPr lang="en-IN"/>
           </a:p>
@@ -1535,7 +1544,7 @@
           <a:p>
             <a:fld id="{68A412BB-EBF7-42A9-BC35-ABCAE2AC9C0C}" type="datetimeFigureOut">
               <a:rPr lang="en-IN" smtClean="0"/>
-              <a:t>10-10-2024</a:t>
+              <a:t>18-10-2024</a:t>
             </a:fld>
             <a:endParaRPr lang="en-IN"/>
           </a:p>
@@ -1813,7 +1822,7 @@
           <a:p>
             <a:fld id="{68A412BB-EBF7-42A9-BC35-ABCAE2AC9C0C}" type="datetimeFigureOut">
               <a:rPr lang="en-IN" smtClean="0"/>
-              <a:t>10-10-2024</a:t>
+              <a:t>18-10-2024</a:t>
             </a:fld>
             <a:endParaRPr lang="en-IN"/>
           </a:p>
@@ -2375,7 +2384,7 @@
           <a:p>
             <a:fld id="{68A412BB-EBF7-42A9-BC35-ABCAE2AC9C0C}" type="datetimeFigureOut">
               <a:rPr lang="en-IN" smtClean="0"/>
-              <a:t>10-10-2024</a:t>
+              <a:t>18-10-2024</a:t>
             </a:fld>
             <a:endParaRPr lang="en-IN"/>
           </a:p>
@@ -2702,7 +2711,7 @@
           <a:p>
             <a:fld id="{68A412BB-EBF7-42A9-BC35-ABCAE2AC9C0C}" type="datetimeFigureOut">
               <a:rPr lang="en-IN" smtClean="0"/>
-              <a:t>10-10-2024</a:t>
+              <a:t>18-10-2024</a:t>
             </a:fld>
             <a:endParaRPr lang="en-IN"/>
           </a:p>
@@ -2907,7 +2916,7 @@
           <a:p>
             <a:fld id="{68A412BB-EBF7-42A9-BC35-ABCAE2AC9C0C}" type="datetimeFigureOut">
               <a:rPr lang="en-IN" smtClean="0"/>
-              <a:t>10-10-2024</a:t>
+              <a:t>18-10-2024</a:t>
             </a:fld>
             <a:endParaRPr lang="en-IN"/>
           </a:p>
@@ -3117,7 +3126,7 @@
           <a:p>
             <a:fld id="{68A412BB-EBF7-42A9-BC35-ABCAE2AC9C0C}" type="datetimeFigureOut">
               <a:rPr lang="en-IN" smtClean="0"/>
-              <a:t>10-10-2024</a:t>
+              <a:t>18-10-2024</a:t>
             </a:fld>
             <a:endParaRPr lang="en-IN"/>
           </a:p>
@@ -3317,7 +3326,7 @@
           <a:p>
             <a:fld id="{68A412BB-EBF7-42A9-BC35-ABCAE2AC9C0C}" type="datetimeFigureOut">
               <a:rPr lang="en-IN" smtClean="0"/>
-              <a:t>10-10-2024</a:t>
+              <a:t>18-10-2024</a:t>
             </a:fld>
             <a:endParaRPr lang="en-IN"/>
           </a:p>
@@ -3593,7 +3602,7 @@
           <a:p>
             <a:fld id="{68A412BB-EBF7-42A9-BC35-ABCAE2AC9C0C}" type="datetimeFigureOut">
               <a:rPr lang="en-IN" smtClean="0"/>
-              <a:t>10-10-2024</a:t>
+              <a:t>18-10-2024</a:t>
             </a:fld>
             <a:endParaRPr lang="en-IN"/>
           </a:p>
@@ -3859,7 +3868,7 @@
           <a:p>
             <a:fld id="{68A412BB-EBF7-42A9-BC35-ABCAE2AC9C0C}" type="datetimeFigureOut">
               <a:rPr lang="en-IN" smtClean="0"/>
-              <a:t>10-10-2024</a:t>
+              <a:t>18-10-2024</a:t>
             </a:fld>
             <a:endParaRPr lang="en-IN"/>
           </a:p>
@@ -4233,7 +4242,7 @@
           <a:p>
             <a:fld id="{68A412BB-EBF7-42A9-BC35-ABCAE2AC9C0C}" type="datetimeFigureOut">
               <a:rPr lang="en-IN" smtClean="0"/>
-              <a:t>10-10-2024</a:t>
+              <a:t>18-10-2024</a:t>
             </a:fld>
             <a:endParaRPr lang="en-IN"/>
           </a:p>
@@ -4381,7 +4390,7 @@
           <a:p>
             <a:fld id="{68A412BB-EBF7-42A9-BC35-ABCAE2AC9C0C}" type="datetimeFigureOut">
               <a:rPr lang="en-IN" smtClean="0"/>
-              <a:t>10-10-2024</a:t>
+              <a:t>18-10-2024</a:t>
             </a:fld>
             <a:endParaRPr lang="en-IN"/>
           </a:p>
@@ -4506,7 +4515,7 @@
           <a:p>
             <a:fld id="{68A412BB-EBF7-42A9-BC35-ABCAE2AC9C0C}" type="datetimeFigureOut">
               <a:rPr lang="en-IN" smtClean="0"/>
-              <a:t>10-10-2024</a:t>
+              <a:t>18-10-2024</a:t>
             </a:fld>
             <a:endParaRPr lang="en-IN"/>
           </a:p>
@@ -4791,7 +4800,7 @@
           <a:p>
             <a:fld id="{68A412BB-EBF7-42A9-BC35-ABCAE2AC9C0C}" type="datetimeFigureOut">
               <a:rPr lang="en-IN" smtClean="0"/>
-              <a:t>10-10-2024</a:t>
+              <a:t>18-10-2024</a:t>
             </a:fld>
             <a:endParaRPr lang="en-IN"/>
           </a:p>
@@ -5115,7 +5124,7 @@
           <a:p>
             <a:fld id="{68A412BB-EBF7-42A9-BC35-ABCAE2AC9C0C}" type="datetimeFigureOut">
               <a:rPr lang="en-IN" smtClean="0"/>
-              <a:t>10-10-2024</a:t>
+              <a:t>18-10-2024</a:t>
             </a:fld>
             <a:endParaRPr lang="en-IN"/>
           </a:p>
@@ -5329,7 +5338,7 @@
           <a:p>
             <a:fld id="{68A412BB-EBF7-42A9-BC35-ABCAE2AC9C0C}" type="datetimeFigureOut">
               <a:rPr lang="en-IN" smtClean="0"/>
-              <a:t>10-10-2024</a:t>
+              <a:t>18-10-2024</a:t>
             </a:fld>
             <a:endParaRPr lang="en-IN"/>
           </a:p>
@@ -5918,12 +5927,108 @@
           <a:chExt cx="0" cy="0"/>
         </a:xfrm>
       </p:grpSpPr>
+      <p:sp>
+        <p:nvSpPr>
+          <p:cNvPr id="3" name="Content Placeholder 2">
+            <a:extLst>
+              <a:ext uri="{FF2B5EF4-FFF2-40B4-BE49-F238E27FC236}">
+                <a16:creationId xmlns:a16="http://schemas.microsoft.com/office/drawing/2014/main" id="{06E89085-7FA4-5135-D09E-561D5723ECE9}"/>
+              </a:ext>
+            </a:extLst>
+          </p:cNvPr>
+          <p:cNvSpPr>
+            <a:spLocks noGrp="1"/>
+          </p:cNvSpPr>
+          <p:nvPr>
+            <p:ph idx="1"/>
+          </p:nvPr>
+        </p:nvSpPr>
+        <p:spPr/>
+        <p:txBody>
+          <a:bodyPr>
+            <a:normAutofit/>
+          </a:bodyPr>
+          <a:lstStyle/>
+          <a:p>
+            <a:r>
+              <a:rPr lang="en-US" sz="2400" dirty="0"/>
+              <a:t>AutoModelForSeq2SeqLM: Sequence-to-sequence models handle tasks where the input is a sequence (such as text) and the output is also a sequence (e.g., translated text)</a:t>
+            </a:r>
+          </a:p>
+          <a:p>
+            <a:pPr marL="0" indent="0">
+              <a:buNone/>
+            </a:pPr>
+            <a:r>
+              <a:rPr lang="en-US" sz="2400" dirty="0">
+                <a:solidFill>
+                  <a:srgbClr val="92D050"/>
+                </a:solidFill>
+              </a:rPr>
+              <a:t>Purpose: </a:t>
+            </a:r>
+          </a:p>
+          <a:p>
+            <a:r>
+              <a:rPr lang="en-US" sz="2400" dirty="0"/>
+              <a:t> Loads a pre-trained tokenizer for a multilingual to English translation model (in this case, the opus-mt-</a:t>
+            </a:r>
+            <a:r>
+              <a:rPr lang="en-US" sz="2400" dirty="0" err="1"/>
+              <a:t>mul</a:t>
+            </a:r>
+            <a:r>
+              <a:rPr lang="en-US" sz="2400" dirty="0"/>
+              <a:t>-</a:t>
+            </a:r>
+            <a:r>
+              <a:rPr lang="en-US" sz="2400" dirty="0" err="1"/>
+              <a:t>en</a:t>
+            </a:r>
+            <a:r>
+              <a:rPr lang="en-US" sz="2400" dirty="0"/>
+              <a:t> model from Helsinki-NLP). The variable tokenizer_translate is used to tokenize text for translation.</a:t>
+            </a:r>
+            <a:endParaRPr lang="en-IN" sz="2400" dirty="0"/>
+          </a:p>
+        </p:txBody>
+      </p:sp>
+    </p:spTree>
+    <p:extLst>
+      <p:ext uri="{BB962C8B-B14F-4D97-AF65-F5344CB8AC3E}">
+        <p14:creationId xmlns:p14="http://schemas.microsoft.com/office/powerpoint/2010/main" val="677949280"/>
+      </p:ext>
+    </p:extLst>
+  </p:cSld>
+  <p:clrMapOvr>
+    <a:masterClrMapping/>
+  </p:clrMapOvr>
+</p:sld>
+</file>
+
+<file path=ppt/slides/slide11.xml><?xml version="1.0" encoding="utf-8"?>
+<p:sld xmlns:a="http://schemas.openxmlformats.org/drawingml/2006/main" xmlns:r="http://schemas.openxmlformats.org/officeDocument/2006/relationships" xmlns:p="http://schemas.openxmlformats.org/presentationml/2006/main">
+  <p:cSld>
+    <p:spTree>
+      <p:nvGrpSpPr>
+        <p:cNvPr id="1" name=""/>
+        <p:cNvGrpSpPr/>
+        <p:nvPr/>
+      </p:nvGrpSpPr>
+      <p:grpSpPr>
+        <a:xfrm>
+          <a:off x="0" y="0"/>
+          <a:ext cx="0" cy="0"/>
+          <a:chOff x="0" y="0"/>
+          <a:chExt cx="0" cy="0"/>
+        </a:xfrm>
+      </p:grpSpPr>
       <p:pic>
         <p:nvPicPr>
-          <p:cNvPr id="3" name="Picture 2">
+          <p:cNvPr id="4" name="Picture 3">
             <a:extLst>
               <a:ext uri="{FF2B5EF4-FFF2-40B4-BE49-F238E27FC236}">
-                <a16:creationId xmlns:a16="http://schemas.microsoft.com/office/drawing/2014/main" id="{75B9B487-6687-F906-4388-55BE1DDE2DFE}"/>
+                <a16:creationId xmlns:a16="http://schemas.microsoft.com/office/drawing/2014/main" id="{4573BDD6-5494-239D-0AD2-4D4D4A30EA66}"/>
               </a:ext>
             </a:extLst>
           </p:cNvPr>
@@ -5946,8 +6051,520 @@
         </p:blipFill>
         <p:spPr>
           <a:xfrm>
-            <a:off x="973015" y="984737"/>
-            <a:ext cx="10304586" cy="5038223"/>
+            <a:off x="780308" y="1204602"/>
+            <a:ext cx="10631384" cy="4448796"/>
+          </a:xfrm>
+          <a:prstGeom prst="rect">
+            <a:avLst/>
+          </a:prstGeom>
+        </p:spPr>
+      </p:pic>
+    </p:spTree>
+    <p:extLst>
+      <p:ext uri="{BB962C8B-B14F-4D97-AF65-F5344CB8AC3E}">
+        <p14:creationId xmlns:p14="http://schemas.microsoft.com/office/powerpoint/2010/main" val="766721235"/>
+      </p:ext>
+    </p:extLst>
+  </p:cSld>
+  <p:clrMapOvr>
+    <a:masterClrMapping/>
+  </p:clrMapOvr>
+</p:sld>
+</file>
+
+<file path=ppt/slides/slide12.xml><?xml version="1.0" encoding="utf-8"?>
+<p:sld xmlns:a="http://schemas.openxmlformats.org/drawingml/2006/main" xmlns:r="http://schemas.openxmlformats.org/officeDocument/2006/relationships" xmlns:p="http://schemas.openxmlformats.org/presentationml/2006/main">
+  <p:cSld>
+    <p:spTree>
+      <p:nvGrpSpPr>
+        <p:cNvPr id="1" name=""/>
+        <p:cNvGrpSpPr/>
+        <p:nvPr/>
+      </p:nvGrpSpPr>
+      <p:grpSpPr>
+        <a:xfrm>
+          <a:off x="0" y="0"/>
+          <a:ext cx="0" cy="0"/>
+          <a:chOff x="0" y="0"/>
+          <a:chExt cx="0" cy="0"/>
+        </a:xfrm>
+      </p:grpSpPr>
+      <p:sp>
+        <p:nvSpPr>
+          <p:cNvPr id="2" name="Title 1">
+            <a:extLst>
+              <a:ext uri="{FF2B5EF4-FFF2-40B4-BE49-F238E27FC236}">
+                <a16:creationId xmlns:a16="http://schemas.microsoft.com/office/drawing/2014/main" id="{030C1489-4DE0-22E1-9967-2CEF766AAD63}"/>
+              </a:ext>
+            </a:extLst>
+          </p:cNvPr>
+          <p:cNvSpPr>
+            <a:spLocks noGrp="1"/>
+          </p:cNvSpPr>
+          <p:nvPr>
+            <p:ph type="title"/>
+          </p:nvPr>
+        </p:nvSpPr>
+        <p:spPr/>
+        <p:txBody>
+          <a:bodyPr>
+            <a:normAutofit/>
+          </a:bodyPr>
+          <a:lstStyle/>
+          <a:p>
+            <a:r>
+              <a:rPr lang="en-IN" sz="3200" dirty="0">
+                <a:solidFill>
+                  <a:schemeClr val="bg1"/>
+                </a:solidFill>
+                <a:latin typeface="+mn-lt"/>
+              </a:rPr>
+              <a:t>Text to Image Converter :</a:t>
+            </a:r>
+          </a:p>
+        </p:txBody>
+      </p:sp>
+      <p:pic>
+        <p:nvPicPr>
+          <p:cNvPr id="9" name="Content Placeholder 8">
+            <a:extLst>
+              <a:ext uri="{FF2B5EF4-FFF2-40B4-BE49-F238E27FC236}">
+                <a16:creationId xmlns:a16="http://schemas.microsoft.com/office/drawing/2014/main" id="{7AC439C8-5F05-7282-0460-7C5EA54D4D16}"/>
+              </a:ext>
+            </a:extLst>
+          </p:cNvPr>
+          <p:cNvPicPr>
+            <a:picLocks noGrp="1" noChangeAspect="1"/>
+          </p:cNvPicPr>
+          <p:nvPr>
+            <p:ph idx="1"/>
+          </p:nvPr>
+        </p:nvPicPr>
+        <p:blipFill>
+          <a:blip r:embed="rId2">
+            <a:extLst>
+              <a:ext uri="{28A0092B-C50C-407E-A947-70E740481C1C}">
+                <a14:useLocalDpi xmlns:a14="http://schemas.microsoft.com/office/drawing/2010/main" val="0"/>
+              </a:ext>
+            </a:extLst>
+          </a:blip>
+          <a:stretch>
+            <a:fillRect/>
+          </a:stretch>
+        </p:blipFill>
+        <p:spPr>
+          <a:xfrm>
+            <a:off x="597877" y="2379785"/>
+            <a:ext cx="10515599" cy="2661137"/>
+          </a:xfrm>
+        </p:spPr>
+      </p:pic>
+    </p:spTree>
+    <p:extLst>
+      <p:ext uri="{BB962C8B-B14F-4D97-AF65-F5344CB8AC3E}">
+        <p14:creationId xmlns:p14="http://schemas.microsoft.com/office/powerpoint/2010/main" val="3631012570"/>
+      </p:ext>
+    </p:extLst>
+  </p:cSld>
+  <p:clrMapOvr>
+    <a:masterClrMapping/>
+  </p:clrMapOvr>
+</p:sld>
+</file>
+
+<file path=ppt/slides/slide13.xml><?xml version="1.0" encoding="utf-8"?>
+<p:sld xmlns:a="http://schemas.openxmlformats.org/drawingml/2006/main" xmlns:r="http://schemas.openxmlformats.org/officeDocument/2006/relationships" xmlns:p="http://schemas.openxmlformats.org/presentationml/2006/main">
+  <p:cSld>
+    <p:spTree>
+      <p:nvGrpSpPr>
+        <p:cNvPr id="1" name=""/>
+        <p:cNvGrpSpPr/>
+        <p:nvPr/>
+      </p:nvGrpSpPr>
+      <p:grpSpPr>
+        <a:xfrm>
+          <a:off x="0" y="0"/>
+          <a:ext cx="0" cy="0"/>
+          <a:chOff x="0" y="0"/>
+          <a:chExt cx="0" cy="0"/>
+        </a:xfrm>
+      </p:grpSpPr>
+      <p:sp>
+        <p:nvSpPr>
+          <p:cNvPr id="2" name="Title 1">
+            <a:extLst>
+              <a:ext uri="{FF2B5EF4-FFF2-40B4-BE49-F238E27FC236}">
+                <a16:creationId xmlns:a16="http://schemas.microsoft.com/office/drawing/2014/main" id="{72F7BEF5-D652-D72B-BB69-5D440883DFD1}"/>
+              </a:ext>
+            </a:extLst>
+          </p:cNvPr>
+          <p:cNvSpPr>
+            <a:spLocks noGrp="1"/>
+          </p:cNvSpPr>
+          <p:nvPr>
+            <p:ph type="title"/>
+          </p:nvPr>
+        </p:nvSpPr>
+        <p:spPr/>
+        <p:txBody>
+          <a:bodyPr/>
+          <a:lstStyle/>
+          <a:p>
+            <a:r>
+              <a:rPr lang="en-US" sz="3200" dirty="0">
+                <a:solidFill>
+                  <a:schemeClr val="bg1"/>
+                </a:solidFill>
+                <a:latin typeface="+mn-lt"/>
+              </a:rPr>
+              <a:t>Concept:</a:t>
+            </a:r>
+            <a:br>
+              <a:rPr lang="en-US" dirty="0"/>
+            </a:br>
+            <a:endParaRPr lang="en-IN" dirty="0"/>
+          </a:p>
+        </p:txBody>
+      </p:sp>
+      <p:sp>
+        <p:nvSpPr>
+          <p:cNvPr id="3" name="Content Placeholder 2">
+            <a:extLst>
+              <a:ext uri="{FF2B5EF4-FFF2-40B4-BE49-F238E27FC236}">
+                <a16:creationId xmlns:a16="http://schemas.microsoft.com/office/drawing/2014/main" id="{C5926A6B-CD27-35EB-6915-244BB2EAB228}"/>
+              </a:ext>
+            </a:extLst>
+          </p:cNvPr>
+          <p:cNvSpPr>
+            <a:spLocks noGrp="1"/>
+          </p:cNvSpPr>
+          <p:nvPr>
+            <p:ph idx="1"/>
+          </p:nvPr>
+        </p:nvSpPr>
+        <p:spPr/>
+        <p:txBody>
+          <a:bodyPr>
+            <a:noAutofit/>
+          </a:bodyPr>
+          <a:lstStyle/>
+          <a:p>
+            <a:endParaRPr lang="en-US" sz="2400" dirty="0"/>
+          </a:p>
+          <a:p>
+            <a:r>
+              <a:rPr lang="en-US" sz="2400" dirty="0"/>
+              <a:t> Diffusion models are a class of generative models. They start from random noise and iteratively refine it using a learned process, eventually producing an image or other data.</a:t>
+            </a:r>
+          </a:p>
+          <a:p>
+            <a:r>
+              <a:rPr lang="en-US" sz="2400" dirty="0"/>
+              <a:t> Diffusers library: Hugging Face’s diffusers is designed to provide implementations of various diffusion models, which can generate high-quality images from text prompts.</a:t>
+            </a:r>
+          </a:p>
+          <a:p>
+            <a:r>
+              <a:rPr lang="en-US" sz="2400" dirty="0"/>
+              <a:t>from_pretrained: This method downloads the pre-trained model and its weights, which can be reused for generating images.</a:t>
+            </a:r>
+            <a:endParaRPr lang="en-IN" sz="2400" dirty="0"/>
+          </a:p>
+        </p:txBody>
+      </p:sp>
+    </p:spTree>
+    <p:extLst>
+      <p:ext uri="{BB962C8B-B14F-4D97-AF65-F5344CB8AC3E}">
+        <p14:creationId xmlns:p14="http://schemas.microsoft.com/office/powerpoint/2010/main" val="585880520"/>
+      </p:ext>
+    </p:extLst>
+  </p:cSld>
+  <p:clrMapOvr>
+    <a:masterClrMapping/>
+  </p:clrMapOvr>
+</p:sld>
+</file>
+
+<file path=ppt/slides/slide14.xml><?xml version="1.0" encoding="utf-8"?>
+<p:sld xmlns:a="http://schemas.openxmlformats.org/drawingml/2006/main" xmlns:r="http://schemas.openxmlformats.org/officeDocument/2006/relationships" xmlns:p="http://schemas.openxmlformats.org/presentationml/2006/main">
+  <p:cSld>
+    <p:spTree>
+      <p:nvGrpSpPr>
+        <p:cNvPr id="1" name=""/>
+        <p:cNvGrpSpPr/>
+        <p:nvPr/>
+      </p:nvGrpSpPr>
+      <p:grpSpPr>
+        <a:xfrm>
+          <a:off x="0" y="0"/>
+          <a:ext cx="0" cy="0"/>
+          <a:chOff x="0" y="0"/>
+          <a:chExt cx="0" cy="0"/>
+        </a:xfrm>
+      </p:grpSpPr>
+      <p:sp>
+        <p:nvSpPr>
+          <p:cNvPr id="3" name="Content Placeholder 2">
+            <a:extLst>
+              <a:ext uri="{FF2B5EF4-FFF2-40B4-BE49-F238E27FC236}">
+                <a16:creationId xmlns:a16="http://schemas.microsoft.com/office/drawing/2014/main" id="{5F0AC05C-8011-76DC-6DFA-704AA7E2959B}"/>
+              </a:ext>
+            </a:extLst>
+          </p:cNvPr>
+          <p:cNvSpPr>
+            <a:spLocks noGrp="1"/>
+          </p:cNvSpPr>
+          <p:nvPr>
+            <p:ph idx="1"/>
+          </p:nvPr>
+        </p:nvSpPr>
+        <p:spPr/>
+        <p:txBody>
+          <a:bodyPr>
+            <a:normAutofit fontScale="92500"/>
+          </a:bodyPr>
+          <a:lstStyle/>
+          <a:p>
+            <a:r>
+              <a:rPr lang="en-US" sz="2400" dirty="0"/>
+              <a:t>Stable Diffusion: One of the most popular text-to-image diffusion models developed by CompVis. It’s known for generating high-quality images from text prompts.</a:t>
+            </a:r>
+          </a:p>
+          <a:p>
+            <a:r>
+              <a:rPr lang="en-US" sz="2400" dirty="0"/>
+              <a:t> Renaming: The variable </a:t>
+            </a:r>
+            <a:r>
+              <a:rPr lang="en-US" sz="2400" dirty="0" err="1"/>
+              <a:t>pipe_image</a:t>
+            </a:r>
+            <a:r>
+              <a:rPr lang="en-US" sz="2400" dirty="0"/>
+              <a:t> is a renamed instance of the pipeline for generating images, making it clearer in context.</a:t>
+            </a:r>
+          </a:p>
+          <a:p>
+            <a:r>
+              <a:rPr lang="en-US" sz="2400" dirty="0"/>
+              <a:t>Text-to-Image Generation: Diffusion models, like Stable Diffusion, use natural language descriptions (prompts) to generate corresponding images. In this case, the description is for a futuristic </a:t>
+            </a:r>
+            <a:r>
+              <a:rPr lang="en-US" sz="2400" dirty="0" err="1"/>
+              <a:t>solarpunk</a:t>
+            </a:r>
+            <a:r>
+              <a:rPr lang="en-US" sz="2400" dirty="0"/>
+              <a:t>-themed utopia in the Amazon rainforest.</a:t>
+            </a:r>
+          </a:p>
+          <a:p>
+            <a:r>
+              <a:rPr lang="en-US" sz="2400" dirty="0"/>
+              <a:t>Solarpunk: A design and lifestyle movement focusing on renewable energy and a hopeful, eco-friendly future, often depicted in art and science fiction.</a:t>
+            </a:r>
+            <a:endParaRPr lang="en-IN" sz="2400" dirty="0"/>
+          </a:p>
+        </p:txBody>
+      </p:sp>
+    </p:spTree>
+    <p:extLst>
+      <p:ext uri="{BB962C8B-B14F-4D97-AF65-F5344CB8AC3E}">
+        <p14:creationId xmlns:p14="http://schemas.microsoft.com/office/powerpoint/2010/main" val="3004087866"/>
+      </p:ext>
+    </p:extLst>
+  </p:cSld>
+  <p:clrMapOvr>
+    <a:masterClrMapping/>
+  </p:clrMapOvr>
+</p:sld>
+</file>
+
+<file path=ppt/slides/slide15.xml><?xml version="1.0" encoding="utf-8"?>
+<p:sld xmlns:a="http://schemas.openxmlformats.org/drawingml/2006/main" xmlns:r="http://schemas.openxmlformats.org/officeDocument/2006/relationships" xmlns:p="http://schemas.openxmlformats.org/presentationml/2006/main">
+  <p:cSld>
+    <p:spTree>
+      <p:nvGrpSpPr>
+        <p:cNvPr id="1" name=""/>
+        <p:cNvGrpSpPr/>
+        <p:nvPr/>
+      </p:nvGrpSpPr>
+      <p:grpSpPr>
+        <a:xfrm>
+          <a:off x="0" y="0"/>
+          <a:ext cx="0" cy="0"/>
+          <a:chOff x="0" y="0"/>
+          <a:chExt cx="0" cy="0"/>
+        </a:xfrm>
+      </p:grpSpPr>
+      <p:pic>
+        <p:nvPicPr>
+          <p:cNvPr id="4" name="Picture 3">
+            <a:extLst>
+              <a:ext uri="{FF2B5EF4-FFF2-40B4-BE49-F238E27FC236}">
+                <a16:creationId xmlns:a16="http://schemas.microsoft.com/office/drawing/2014/main" id="{615F6CD3-8F69-3391-34E6-5E9D9A91FB62}"/>
+              </a:ext>
+            </a:extLst>
+          </p:cNvPr>
+          <p:cNvPicPr>
+            <a:picLocks noChangeAspect="1"/>
+          </p:cNvPicPr>
+          <p:nvPr/>
+        </p:nvPicPr>
+        <p:blipFill>
+          <a:blip r:embed="rId2">
+            <a:extLst>
+              <a:ext uri="{28A0092B-C50C-407E-A947-70E740481C1C}">
+                <a14:useLocalDpi xmlns:a14="http://schemas.microsoft.com/office/drawing/2010/main" val="0"/>
+              </a:ext>
+            </a:extLst>
+          </a:blip>
+          <a:stretch>
+            <a:fillRect/>
+          </a:stretch>
+        </p:blipFill>
+        <p:spPr>
+          <a:xfrm>
+            <a:off x="2074984" y="0"/>
+            <a:ext cx="8358555" cy="3429000"/>
+          </a:xfrm>
+          <a:prstGeom prst="rect">
+            <a:avLst/>
+          </a:prstGeom>
+        </p:spPr>
+      </p:pic>
+      <p:pic>
+        <p:nvPicPr>
+          <p:cNvPr id="6" name="Picture 5">
+            <a:extLst>
+              <a:ext uri="{FF2B5EF4-FFF2-40B4-BE49-F238E27FC236}">
+                <a16:creationId xmlns:a16="http://schemas.microsoft.com/office/drawing/2014/main" id="{6ADDC9D3-4ECB-806A-9C8E-73F43A4C8E50}"/>
+              </a:ext>
+            </a:extLst>
+          </p:cNvPr>
+          <p:cNvPicPr>
+            <a:picLocks noChangeAspect="1"/>
+          </p:cNvPicPr>
+          <p:nvPr/>
+        </p:nvPicPr>
+        <p:blipFill>
+          <a:blip r:embed="rId3">
+            <a:extLst>
+              <a:ext uri="{28A0092B-C50C-407E-A947-70E740481C1C}">
+                <a14:useLocalDpi xmlns:a14="http://schemas.microsoft.com/office/drawing/2010/main" val="0"/>
+              </a:ext>
+            </a:extLst>
+          </a:blip>
+          <a:stretch>
+            <a:fillRect/>
+          </a:stretch>
+        </p:blipFill>
+        <p:spPr>
+          <a:xfrm>
+            <a:off x="2074983" y="3429000"/>
+            <a:ext cx="8358556" cy="3194537"/>
+          </a:xfrm>
+          <a:prstGeom prst="rect">
+            <a:avLst/>
+          </a:prstGeom>
+        </p:spPr>
+      </p:pic>
+    </p:spTree>
+    <p:extLst>
+      <p:ext uri="{BB962C8B-B14F-4D97-AF65-F5344CB8AC3E}">
+        <p14:creationId xmlns:p14="http://schemas.microsoft.com/office/powerpoint/2010/main" val="2732550488"/>
+      </p:ext>
+    </p:extLst>
+  </p:cSld>
+  <p:clrMapOvr>
+    <a:masterClrMapping/>
+  </p:clrMapOvr>
+</p:sld>
+</file>
+
+<file path=ppt/slides/slide16.xml><?xml version="1.0" encoding="utf-8"?>
+<p:sld xmlns:a="http://schemas.openxmlformats.org/drawingml/2006/main" xmlns:r="http://schemas.openxmlformats.org/officeDocument/2006/relationships" xmlns:p="http://schemas.openxmlformats.org/presentationml/2006/main">
+  <p:cSld>
+    <p:spTree>
+      <p:nvGrpSpPr>
+        <p:cNvPr id="1" name=""/>
+        <p:cNvGrpSpPr/>
+        <p:nvPr/>
+      </p:nvGrpSpPr>
+      <p:grpSpPr>
+        <a:xfrm>
+          <a:off x="0" y="0"/>
+          <a:ext cx="0" cy="0"/>
+          <a:chOff x="0" y="0"/>
+          <a:chExt cx="0" cy="0"/>
+        </a:xfrm>
+      </p:grpSpPr>
+      <p:pic>
+        <p:nvPicPr>
+          <p:cNvPr id="4" name="Picture 3">
+            <a:extLst>
+              <a:ext uri="{FF2B5EF4-FFF2-40B4-BE49-F238E27FC236}">
+                <a16:creationId xmlns:a16="http://schemas.microsoft.com/office/drawing/2014/main" id="{2435A7AA-831A-3512-C29A-85FD42F57FE0}"/>
+              </a:ext>
+            </a:extLst>
+          </p:cNvPr>
+          <p:cNvPicPr>
+            <a:picLocks noChangeAspect="1"/>
+          </p:cNvPicPr>
+          <p:nvPr/>
+        </p:nvPicPr>
+        <p:blipFill>
+          <a:blip r:embed="rId2">
+            <a:extLst>
+              <a:ext uri="{28A0092B-C50C-407E-A947-70E740481C1C}">
+                <a14:useLocalDpi xmlns:a14="http://schemas.microsoft.com/office/drawing/2010/main" val="0"/>
+              </a:ext>
+            </a:extLst>
+          </a:blip>
+          <a:stretch>
+            <a:fillRect/>
+          </a:stretch>
+        </p:blipFill>
+        <p:spPr>
+          <a:xfrm>
+            <a:off x="339970" y="1"/>
+            <a:ext cx="8804030" cy="3429000"/>
+          </a:xfrm>
+          <a:prstGeom prst="rect">
+            <a:avLst/>
+          </a:prstGeom>
+        </p:spPr>
+      </p:pic>
+      <p:pic>
+        <p:nvPicPr>
+          <p:cNvPr id="6" name="Picture 5">
+            <a:extLst>
+              <a:ext uri="{FF2B5EF4-FFF2-40B4-BE49-F238E27FC236}">
+                <a16:creationId xmlns:a16="http://schemas.microsoft.com/office/drawing/2014/main" id="{D103F72F-8544-7326-CCC4-6E70751FCA15}"/>
+              </a:ext>
+            </a:extLst>
+          </p:cNvPr>
+          <p:cNvPicPr>
+            <a:picLocks noChangeAspect="1"/>
+          </p:cNvPicPr>
+          <p:nvPr/>
+        </p:nvPicPr>
+        <p:blipFill>
+          <a:blip r:embed="rId3">
+            <a:extLst>
+              <a:ext uri="{28A0092B-C50C-407E-A947-70E740481C1C}">
+                <a14:useLocalDpi xmlns:a14="http://schemas.microsoft.com/office/drawing/2010/main" val="0"/>
+              </a:ext>
+            </a:extLst>
+          </a:blip>
+          <a:stretch>
+            <a:fillRect/>
+          </a:stretch>
+        </p:blipFill>
+        <p:spPr>
+          <a:xfrm>
+            <a:off x="339970" y="3429000"/>
+            <a:ext cx="9390184" cy="3329354"/>
           </a:xfrm>
           <a:prstGeom prst="rect">
             <a:avLst/>
@@ -5967,7 +6584,422 @@
 </p:sld>
 </file>
 
-<file path=ppt/slides/slide11.xml><?xml version="1.0" encoding="utf-8"?>
+<file path=ppt/slides/slide17.xml><?xml version="1.0" encoding="utf-8"?>
+<p:sld xmlns:a="http://schemas.openxmlformats.org/drawingml/2006/main" xmlns:r="http://schemas.openxmlformats.org/officeDocument/2006/relationships" xmlns:p="http://schemas.openxmlformats.org/presentationml/2006/main">
+  <p:cSld>
+    <p:spTree>
+      <p:nvGrpSpPr>
+        <p:cNvPr id="1" name=""/>
+        <p:cNvGrpSpPr/>
+        <p:nvPr/>
+      </p:nvGrpSpPr>
+      <p:grpSpPr>
+        <a:xfrm>
+          <a:off x="0" y="0"/>
+          <a:ext cx="0" cy="0"/>
+          <a:chOff x="0" y="0"/>
+          <a:chExt cx="0" cy="0"/>
+        </a:xfrm>
+      </p:grpSpPr>
+      <p:sp>
+        <p:nvSpPr>
+          <p:cNvPr id="2" name="Title 1">
+            <a:extLst>
+              <a:ext uri="{FF2B5EF4-FFF2-40B4-BE49-F238E27FC236}">
+                <a16:creationId xmlns:a16="http://schemas.microsoft.com/office/drawing/2014/main" id="{41575E9E-B07B-EE11-ED92-E1B84A6A6259}"/>
+              </a:ext>
+            </a:extLst>
+          </p:cNvPr>
+          <p:cNvSpPr>
+            <a:spLocks noGrp="1"/>
+          </p:cNvSpPr>
+          <p:nvPr>
+            <p:ph type="title"/>
+          </p:nvPr>
+        </p:nvSpPr>
+        <p:spPr/>
+        <p:txBody>
+          <a:bodyPr>
+            <a:normAutofit/>
+          </a:bodyPr>
+          <a:lstStyle/>
+          <a:p>
+            <a:r>
+              <a:rPr lang="en-IN" sz="3200" dirty="0">
+                <a:solidFill>
+                  <a:schemeClr val="bg1"/>
+                </a:solidFill>
+                <a:latin typeface="+mn-lt"/>
+              </a:rPr>
+              <a:t>Text Generation :</a:t>
+            </a:r>
+          </a:p>
+        </p:txBody>
+      </p:sp>
+      <p:pic>
+        <p:nvPicPr>
+          <p:cNvPr id="5" name="Content Placeholder 4">
+            <a:extLst>
+              <a:ext uri="{FF2B5EF4-FFF2-40B4-BE49-F238E27FC236}">
+                <a16:creationId xmlns:a16="http://schemas.microsoft.com/office/drawing/2014/main" id="{B7B1556E-6D24-0D50-0B97-80A45C006023}"/>
+              </a:ext>
+            </a:extLst>
+          </p:cNvPr>
+          <p:cNvPicPr>
+            <a:picLocks noGrp="1" noChangeAspect="1"/>
+          </p:cNvPicPr>
+          <p:nvPr>
+            <p:ph idx="1"/>
+          </p:nvPr>
+        </p:nvPicPr>
+        <p:blipFill>
+          <a:blip r:embed="rId2">
+            <a:extLst>
+              <a:ext uri="{28A0092B-C50C-407E-A947-70E740481C1C}">
+                <a14:useLocalDpi xmlns:a14="http://schemas.microsoft.com/office/drawing/2010/main" val="0"/>
+              </a:ext>
+            </a:extLst>
+          </a:blip>
+          <a:stretch>
+            <a:fillRect/>
+          </a:stretch>
+        </p:blipFill>
+        <p:spPr>
+          <a:xfrm>
+            <a:off x="888321" y="2239108"/>
+            <a:ext cx="9726382" cy="3094892"/>
+          </a:xfrm>
+        </p:spPr>
+      </p:pic>
+    </p:spTree>
+    <p:extLst>
+      <p:ext uri="{BB962C8B-B14F-4D97-AF65-F5344CB8AC3E}">
+        <p14:creationId xmlns:p14="http://schemas.microsoft.com/office/powerpoint/2010/main" val="1549344292"/>
+      </p:ext>
+    </p:extLst>
+  </p:cSld>
+  <p:clrMapOvr>
+    <a:masterClrMapping/>
+  </p:clrMapOvr>
+</p:sld>
+</file>
+
+<file path=ppt/slides/slide18.xml><?xml version="1.0" encoding="utf-8"?>
+<p:sld xmlns:a="http://schemas.openxmlformats.org/drawingml/2006/main" xmlns:r="http://schemas.openxmlformats.org/officeDocument/2006/relationships" xmlns:p="http://schemas.openxmlformats.org/presentationml/2006/main">
+  <p:cSld>
+    <p:spTree>
+      <p:nvGrpSpPr>
+        <p:cNvPr id="1" name=""/>
+        <p:cNvGrpSpPr/>
+        <p:nvPr/>
+      </p:nvGrpSpPr>
+      <p:grpSpPr>
+        <a:xfrm>
+          <a:off x="0" y="0"/>
+          <a:ext cx="0" cy="0"/>
+          <a:chOff x="0" y="0"/>
+          <a:chExt cx="0" cy="0"/>
+        </a:xfrm>
+      </p:grpSpPr>
+      <p:sp>
+        <p:nvSpPr>
+          <p:cNvPr id="2" name="Title 1">
+            <a:extLst>
+              <a:ext uri="{FF2B5EF4-FFF2-40B4-BE49-F238E27FC236}">
+                <a16:creationId xmlns:a16="http://schemas.microsoft.com/office/drawing/2014/main" id="{93E36196-4C68-2771-C9EE-09EEDD99FAF3}"/>
+              </a:ext>
+            </a:extLst>
+          </p:cNvPr>
+          <p:cNvSpPr>
+            <a:spLocks noGrp="1"/>
+          </p:cNvSpPr>
+          <p:nvPr>
+            <p:ph type="title"/>
+          </p:nvPr>
+        </p:nvSpPr>
+        <p:spPr/>
+        <p:txBody>
+          <a:bodyPr>
+            <a:normAutofit/>
+          </a:bodyPr>
+          <a:lstStyle/>
+          <a:p>
+            <a:r>
+              <a:rPr lang="en-IN" sz="3200" dirty="0">
+                <a:solidFill>
+                  <a:schemeClr val="bg1"/>
+                </a:solidFill>
+                <a:latin typeface="+mn-lt"/>
+              </a:rPr>
+              <a:t>Concept:</a:t>
+            </a:r>
+          </a:p>
+        </p:txBody>
+      </p:sp>
+      <p:sp>
+        <p:nvSpPr>
+          <p:cNvPr id="3" name="Content Placeholder 2">
+            <a:extLst>
+              <a:ext uri="{FF2B5EF4-FFF2-40B4-BE49-F238E27FC236}">
+                <a16:creationId xmlns:a16="http://schemas.microsoft.com/office/drawing/2014/main" id="{6AC85758-95D1-A16F-F8D7-1D8A004E2D05}"/>
+              </a:ext>
+            </a:extLst>
+          </p:cNvPr>
+          <p:cNvSpPr>
+            <a:spLocks noGrp="1"/>
+          </p:cNvSpPr>
+          <p:nvPr>
+            <p:ph idx="1"/>
+          </p:nvPr>
+        </p:nvSpPr>
+        <p:spPr/>
+        <p:txBody>
+          <a:bodyPr>
+            <a:normAutofit/>
+          </a:bodyPr>
+          <a:lstStyle/>
+          <a:p>
+            <a:r>
+              <a:rPr lang="en-US" sz="2400" dirty="0"/>
+              <a:t>Pipeline: In Hugging Face's transformers, a pipeline provides a simple interface to perform a task (like text generation, translation, or sentiment analysis). For text generation, it loads a model, tokenizes input, and returns generated text in a few lines of code. </a:t>
+            </a:r>
+          </a:p>
+          <a:p>
+            <a:r>
+              <a:rPr lang="en-US" sz="2400" dirty="0"/>
+              <a:t>AutoTokenizer: This handles tokenization, breaking down text into tokens (pieces of text) that the model can understand.</a:t>
+            </a:r>
+          </a:p>
+          <a:p>
+            <a:r>
+              <a:rPr lang="en-US" sz="2400" dirty="0"/>
+              <a:t>AutoModelForCausalLM: This is the model class that supports causal language modeling, where the model generates text in a left-to-right fashion.</a:t>
+            </a:r>
+            <a:endParaRPr lang="en-IN" sz="2400" dirty="0"/>
+          </a:p>
+        </p:txBody>
+      </p:sp>
+    </p:spTree>
+    <p:extLst>
+      <p:ext uri="{BB962C8B-B14F-4D97-AF65-F5344CB8AC3E}">
+        <p14:creationId xmlns:p14="http://schemas.microsoft.com/office/powerpoint/2010/main" val="3329038995"/>
+      </p:ext>
+    </p:extLst>
+  </p:cSld>
+  <p:clrMapOvr>
+    <a:masterClrMapping/>
+  </p:clrMapOvr>
+</p:sld>
+</file>
+
+<file path=ppt/slides/slide19.xml><?xml version="1.0" encoding="utf-8"?>
+<p:sld xmlns:a="http://schemas.openxmlformats.org/drawingml/2006/main" xmlns:r="http://schemas.openxmlformats.org/officeDocument/2006/relationships" xmlns:p="http://schemas.openxmlformats.org/presentationml/2006/main">
+  <p:cSld>
+    <p:spTree>
+      <p:nvGrpSpPr>
+        <p:cNvPr id="1" name=""/>
+        <p:cNvGrpSpPr/>
+        <p:nvPr/>
+      </p:nvGrpSpPr>
+      <p:grpSpPr>
+        <a:xfrm>
+          <a:off x="0" y="0"/>
+          <a:ext cx="0" cy="0"/>
+          <a:chOff x="0" y="0"/>
+          <a:chExt cx="0" cy="0"/>
+        </a:xfrm>
+      </p:grpSpPr>
+      <p:sp>
+        <p:nvSpPr>
+          <p:cNvPr id="3" name="Content Placeholder 2">
+            <a:extLst>
+              <a:ext uri="{FF2B5EF4-FFF2-40B4-BE49-F238E27FC236}">
+                <a16:creationId xmlns:a16="http://schemas.microsoft.com/office/drawing/2014/main" id="{0128433F-E502-58C4-C326-659671DA2856}"/>
+              </a:ext>
+            </a:extLst>
+          </p:cNvPr>
+          <p:cNvSpPr>
+            <a:spLocks noGrp="1"/>
+          </p:cNvSpPr>
+          <p:nvPr>
+            <p:ph idx="1"/>
+          </p:nvPr>
+        </p:nvSpPr>
+        <p:spPr/>
+        <p:txBody>
+          <a:bodyPr>
+            <a:normAutofit/>
+          </a:bodyPr>
+          <a:lstStyle/>
+          <a:p>
+            <a:r>
+              <a:rPr lang="en-US" sz="2000" dirty="0"/>
+              <a:t>AutoModelForCausalLM: The GPT models belong to a class of causal language models, which predict the next token (word) given all previous tokens in the sequence. This is used for text generation.</a:t>
+            </a:r>
+          </a:p>
+          <a:p>
+            <a:r>
+              <a:rPr lang="en-US" sz="2000" dirty="0"/>
+              <a:t>GPT-2: The model from OpenAI used here is GPT-2, which is known for its ability to generate coherent and contextually relevant text based on a given prompt.</a:t>
+            </a:r>
+          </a:p>
+          <a:p>
+            <a:r>
+              <a:rPr lang="en-US" sz="2000" dirty="0"/>
+              <a:t>Pre-trained Tokenizer: Tokenizers convert raw input text into numerical IDs (tokens) that are fed into the model. This specific tokenizer is built to handle GPT-2’s text processing needs.</a:t>
+            </a:r>
+          </a:p>
+          <a:p>
+            <a:r>
+              <a:rPr lang="en-US" sz="2000" dirty="0"/>
+              <a:t>"openai-community/gpt2": This refers to a variant of the GPT-2 model hosted by the OpenAI community on Hugging Face's model hub.</a:t>
+            </a:r>
+            <a:endParaRPr lang="en-IN" sz="2000" dirty="0"/>
+          </a:p>
+        </p:txBody>
+      </p:sp>
+    </p:spTree>
+    <p:extLst>
+      <p:ext uri="{BB962C8B-B14F-4D97-AF65-F5344CB8AC3E}">
+        <p14:creationId xmlns:p14="http://schemas.microsoft.com/office/powerpoint/2010/main" val="3074460383"/>
+      </p:ext>
+    </p:extLst>
+  </p:cSld>
+  <p:clrMapOvr>
+    <a:masterClrMapping/>
+  </p:clrMapOvr>
+</p:sld>
+</file>
+
+<file path=ppt/slides/slide2.xml><?xml version="1.0" encoding="utf-8"?>
+<p:sld xmlns:a="http://schemas.openxmlformats.org/drawingml/2006/main" xmlns:r="http://schemas.openxmlformats.org/officeDocument/2006/relationships" xmlns:p="http://schemas.openxmlformats.org/presentationml/2006/main">
+  <p:cSld>
+    <p:spTree>
+      <p:nvGrpSpPr>
+        <p:cNvPr id="1" name=""/>
+        <p:cNvGrpSpPr/>
+        <p:nvPr/>
+      </p:nvGrpSpPr>
+      <p:grpSpPr>
+        <a:xfrm>
+          <a:off x="0" y="0"/>
+          <a:ext cx="0" cy="0"/>
+          <a:chOff x="0" y="0"/>
+          <a:chExt cx="0" cy="0"/>
+        </a:xfrm>
+      </p:grpSpPr>
+      <p:sp>
+        <p:nvSpPr>
+          <p:cNvPr id="2" name="Title 1">
+            <a:extLst>
+              <a:ext uri="{FF2B5EF4-FFF2-40B4-BE49-F238E27FC236}">
+                <a16:creationId xmlns:a16="http://schemas.microsoft.com/office/drawing/2014/main" id="{8F7DA6B5-3429-F4BC-4213-69A951AA14B1}"/>
+              </a:ext>
+            </a:extLst>
+          </p:cNvPr>
+          <p:cNvSpPr>
+            <a:spLocks noGrp="1"/>
+          </p:cNvSpPr>
+          <p:nvPr>
+            <p:ph type="title"/>
+          </p:nvPr>
+        </p:nvSpPr>
+        <p:spPr/>
+        <p:txBody>
+          <a:bodyPr/>
+          <a:lstStyle/>
+          <a:p>
+            <a:r>
+              <a:rPr lang="en-IN" dirty="0"/>
+              <a:t> </a:t>
+            </a:r>
+            <a:r>
+              <a:rPr lang="en-IN" sz="3200" dirty="0">
+                <a:solidFill>
+                  <a:schemeClr val="bg1"/>
+                </a:solidFill>
+                <a:latin typeface="+mn-lt"/>
+              </a:rPr>
+              <a:t>Problem Statement :</a:t>
+            </a:r>
+          </a:p>
+        </p:txBody>
+      </p:sp>
+      <p:sp>
+        <p:nvSpPr>
+          <p:cNvPr id="3" name="Content Placeholder 2">
+            <a:extLst>
+              <a:ext uri="{FF2B5EF4-FFF2-40B4-BE49-F238E27FC236}">
+                <a16:creationId xmlns:a16="http://schemas.microsoft.com/office/drawing/2014/main" id="{3351EE13-4091-3516-B99A-C43088EB9182}"/>
+              </a:ext>
+            </a:extLst>
+          </p:cNvPr>
+          <p:cNvSpPr>
+            <a:spLocks noGrp="1"/>
+          </p:cNvSpPr>
+          <p:nvPr>
+            <p:ph idx="1"/>
+          </p:nvPr>
+        </p:nvSpPr>
+        <p:spPr/>
+        <p:txBody>
+          <a:bodyPr>
+            <a:normAutofit/>
+          </a:bodyPr>
+          <a:lstStyle/>
+          <a:p>
+            <a:r>
+              <a:rPr lang="en-US" sz="2400" dirty="0"/>
+              <a:t>Develop a web-based application that:</a:t>
+            </a:r>
+          </a:p>
+          <a:p>
+            <a:pPr marL="457200" indent="-457200">
+              <a:buFont typeface="+mj-lt"/>
+              <a:buAutoNum type="arabicPeriod"/>
+            </a:pPr>
+            <a:r>
+              <a:rPr lang="en-US" sz="2400" dirty="0"/>
+              <a:t>Translates text from Tamil to English</a:t>
+            </a:r>
+          </a:p>
+          <a:p>
+            <a:pPr marL="457200" indent="-457200">
+              <a:buFont typeface="+mj-lt"/>
+              <a:buAutoNum type="arabicPeriod"/>
+            </a:pPr>
+            <a:r>
+              <a:rPr lang="en-US" sz="2400" dirty="0"/>
+              <a:t>Generates relevant images based on translated text</a:t>
+            </a:r>
+          </a:p>
+          <a:p>
+            <a:pPr marL="457200" indent="-457200">
+              <a:buFont typeface="+mj-lt"/>
+              <a:buAutoNum type="arabicPeriod"/>
+            </a:pPr>
+            <a:r>
+              <a:rPr lang="en-US" sz="2400" dirty="0"/>
+              <a:t>Demonstrates integration of language translation and creative AI</a:t>
+            </a:r>
+            <a:endParaRPr lang="en-IN" sz="2400" dirty="0"/>
+          </a:p>
+        </p:txBody>
+      </p:sp>
+    </p:spTree>
+    <p:extLst>
+      <p:ext uri="{BB962C8B-B14F-4D97-AF65-F5344CB8AC3E}">
+        <p14:creationId xmlns:p14="http://schemas.microsoft.com/office/powerpoint/2010/main" val="1965952284"/>
+      </p:ext>
+    </p:extLst>
+  </p:cSld>
+  <p:clrMapOvr>
+    <a:masterClrMapping/>
+  </p:clrMapOvr>
+</p:sld>
+</file>
+
+<file path=ppt/slides/slide20.xml><?xml version="1.0" encoding="utf-8"?>
 <p:sld xmlns:a="http://schemas.openxmlformats.org/drawingml/2006/main" xmlns:r="http://schemas.openxmlformats.org/officeDocument/2006/relationships" xmlns:p="http://schemas.openxmlformats.org/presentationml/2006/main">
   <p:cSld>
     <p:spTree>
@@ -6033,7 +7065,7 @@
 </p:sld>
 </file>
 
-<file path=ppt/slides/slide12.xml><?xml version="1.0" encoding="utf-8"?>
+<file path=ppt/slides/slide21.xml><?xml version="1.0" encoding="utf-8"?>
 <p:sld xmlns:a="http://schemas.openxmlformats.org/drawingml/2006/main" xmlns:r="http://schemas.openxmlformats.org/officeDocument/2006/relationships" xmlns:p="http://schemas.openxmlformats.org/presentationml/2006/main">
   <p:cSld>
     <p:spTree>
@@ -6166,7 +7198,7 @@
 </p:sld>
 </file>
 
-<file path=ppt/slides/slide13.xml><?xml version="1.0" encoding="utf-8"?>
+<file path=ppt/slides/slide22.xml><?xml version="1.0" encoding="utf-8"?>
 <p:sld xmlns:a="http://schemas.openxmlformats.org/drawingml/2006/main" xmlns:r="http://schemas.openxmlformats.org/officeDocument/2006/relationships" xmlns:p="http://schemas.openxmlformats.org/presentationml/2006/main">
   <p:cSld>
     <p:spTree>
@@ -6286,7 +7318,7 @@
 </p:sld>
 </file>
 
-<file path=ppt/slides/slide14.xml><?xml version="1.0" encoding="utf-8"?>
+<file path=ppt/slides/slide23.xml><?xml version="1.0" encoding="utf-8"?>
 <p:sld xmlns:a="http://schemas.openxmlformats.org/drawingml/2006/main" xmlns:r="http://schemas.openxmlformats.org/officeDocument/2006/relationships" xmlns:p="http://schemas.openxmlformats.org/presentationml/2006/main">
   <p:cSld>
     <p:spTree>
@@ -6402,7 +7434,7 @@
 </p:sld>
 </file>
 
-<file path=ppt/slides/slide15.xml><?xml version="1.0" encoding="utf-8"?>
+<file path=ppt/slides/slide24.xml><?xml version="1.0" encoding="utf-8"?>
 <p:sld xmlns:a="http://schemas.openxmlformats.org/drawingml/2006/main" xmlns:r="http://schemas.openxmlformats.org/officeDocument/2006/relationships" xmlns:p="http://schemas.openxmlformats.org/presentationml/2006/main">
   <p:cSld>
     <p:spTree>
@@ -6501,134 +7533,6 @@
     <p:extLst>
       <p:ext uri="{BB962C8B-B14F-4D97-AF65-F5344CB8AC3E}">
         <p14:creationId xmlns:p14="http://schemas.microsoft.com/office/powerpoint/2010/main" val="1766087953"/>
-      </p:ext>
-    </p:extLst>
-  </p:cSld>
-  <p:clrMapOvr>
-    <a:masterClrMapping/>
-  </p:clrMapOvr>
-</p:sld>
-</file>
-
-<file path=ppt/slides/slide2.xml><?xml version="1.0" encoding="utf-8"?>
-<p:sld xmlns:a="http://schemas.openxmlformats.org/drawingml/2006/main" xmlns:r="http://schemas.openxmlformats.org/officeDocument/2006/relationships" xmlns:p="http://schemas.openxmlformats.org/presentationml/2006/main">
-  <p:cSld>
-    <p:spTree>
-      <p:nvGrpSpPr>
-        <p:cNvPr id="1" name=""/>
-        <p:cNvGrpSpPr/>
-        <p:nvPr/>
-      </p:nvGrpSpPr>
-      <p:grpSpPr>
-        <a:xfrm>
-          <a:off x="0" y="0"/>
-          <a:ext cx="0" cy="0"/>
-          <a:chOff x="0" y="0"/>
-          <a:chExt cx="0" cy="0"/>
-        </a:xfrm>
-      </p:grpSpPr>
-      <p:sp>
-        <p:nvSpPr>
-          <p:cNvPr id="2" name="Title 1">
-            <a:extLst>
-              <a:ext uri="{FF2B5EF4-FFF2-40B4-BE49-F238E27FC236}">
-                <a16:creationId xmlns:a16="http://schemas.microsoft.com/office/drawing/2014/main" id="{8F7DA6B5-3429-F4BC-4213-69A951AA14B1}"/>
-              </a:ext>
-            </a:extLst>
-          </p:cNvPr>
-          <p:cNvSpPr>
-            <a:spLocks noGrp="1"/>
-          </p:cNvSpPr>
-          <p:nvPr>
-            <p:ph type="title"/>
-          </p:nvPr>
-        </p:nvSpPr>
-        <p:spPr/>
-        <p:txBody>
-          <a:bodyPr/>
-          <a:lstStyle/>
-          <a:p>
-            <a:r>
-              <a:rPr lang="en-IN" dirty="0"/>
-              <a:t> </a:t>
-            </a:r>
-            <a:r>
-              <a:rPr lang="en-IN" sz="3200" dirty="0">
-                <a:solidFill>
-                  <a:schemeClr val="bg1"/>
-                </a:solidFill>
-                <a:latin typeface="+mn-lt"/>
-              </a:rPr>
-              <a:t>Problem Statement :</a:t>
-            </a:r>
-          </a:p>
-        </p:txBody>
-      </p:sp>
-      <p:sp>
-        <p:nvSpPr>
-          <p:cNvPr id="3" name="Content Placeholder 2">
-            <a:extLst>
-              <a:ext uri="{FF2B5EF4-FFF2-40B4-BE49-F238E27FC236}">
-                <a16:creationId xmlns:a16="http://schemas.microsoft.com/office/drawing/2014/main" id="{3351EE13-4091-3516-B99A-C43088EB9182}"/>
-              </a:ext>
-            </a:extLst>
-          </p:cNvPr>
-          <p:cNvSpPr>
-            <a:spLocks noGrp="1"/>
-          </p:cNvSpPr>
-          <p:nvPr>
-            <p:ph idx="1"/>
-          </p:nvPr>
-        </p:nvSpPr>
-        <p:spPr/>
-        <p:txBody>
-          <a:bodyPr>
-            <a:normAutofit/>
-          </a:bodyPr>
-          <a:lstStyle/>
-          <a:p>
-            <a:r>
-              <a:rPr lang="en-US" sz="2400" dirty="0"/>
-              <a:t>Develop a web-based application that:</a:t>
-            </a:r>
-          </a:p>
-          <a:p>
-            <a:pPr marL="457200" indent="-457200">
-              <a:buFont typeface="+mj-lt"/>
-              <a:buAutoNum type="arabicPeriod"/>
-            </a:pPr>
-            <a:r>
-              <a:rPr lang="en-US" sz="2400" dirty="0"/>
-              <a:t>Translates text from Tamil to English</a:t>
-            </a:r>
-          </a:p>
-          <a:p>
-            <a:pPr marL="457200" indent="-457200">
-              <a:buFont typeface="+mj-lt"/>
-              <a:buAutoNum type="arabicPeriod"/>
-            </a:pPr>
-            <a:r>
-              <a:rPr lang="en-US" sz="2400" dirty="0"/>
-              <a:t>Generates relevant images based on translated text</a:t>
-            </a:r>
-          </a:p>
-          <a:p>
-            <a:pPr marL="457200" indent="-457200">
-              <a:buFont typeface="+mj-lt"/>
-              <a:buAutoNum type="arabicPeriod"/>
-            </a:pPr>
-            <a:r>
-              <a:rPr lang="en-US" sz="2400" dirty="0"/>
-              <a:t>Demonstrates integration of language translation and creative AI</a:t>
-            </a:r>
-            <a:endParaRPr lang="en-IN" sz="2400" dirty="0"/>
-          </a:p>
-        </p:txBody>
-      </p:sp>
-    </p:spTree>
-    <p:extLst>
-      <p:ext uri="{BB962C8B-B14F-4D97-AF65-F5344CB8AC3E}">
-        <p14:creationId xmlns:p14="http://schemas.microsoft.com/office/powerpoint/2010/main" val="1965952284"/>
       </p:ext>
     </p:extLst>
   </p:cSld>
@@ -7235,19 +8139,68 @@
           <a:chExt cx="0" cy="0"/>
         </a:xfrm>
       </p:grpSpPr>
+      <p:sp>
+        <p:nvSpPr>
+          <p:cNvPr id="2" name="Title 1">
+            <a:extLst>
+              <a:ext uri="{FF2B5EF4-FFF2-40B4-BE49-F238E27FC236}">
+                <a16:creationId xmlns:a16="http://schemas.microsoft.com/office/drawing/2014/main" id="{AA01F995-5795-5979-5D72-024F69E573A1}"/>
+              </a:ext>
+            </a:extLst>
+          </p:cNvPr>
+          <p:cNvSpPr>
+            <a:spLocks noGrp="1"/>
+          </p:cNvSpPr>
+          <p:nvPr>
+            <p:ph type="title"/>
+          </p:nvPr>
+        </p:nvSpPr>
+        <p:spPr/>
+        <p:txBody>
+          <a:bodyPr>
+            <a:normAutofit/>
+          </a:bodyPr>
+          <a:lstStyle/>
+          <a:p>
+            <a:r>
+              <a:rPr lang="en-US" sz="3200" dirty="0">
+                <a:latin typeface="+mn-lt"/>
+              </a:rPr>
+              <a:t> </a:t>
+            </a:r>
+            <a:r>
+              <a:rPr lang="en-US" sz="3200" dirty="0">
+                <a:solidFill>
+                  <a:schemeClr val="bg1"/>
+                </a:solidFill>
+                <a:latin typeface="+mn-lt"/>
+              </a:rPr>
+              <a:t>Tamil Text to English Text Translator :</a:t>
+            </a:r>
+            <a:endParaRPr lang="en-IN" sz="3200" dirty="0">
+              <a:solidFill>
+                <a:schemeClr val="bg1"/>
+              </a:solidFill>
+              <a:latin typeface="+mn-lt"/>
+            </a:endParaRPr>
+          </a:p>
+        </p:txBody>
+      </p:sp>
       <p:pic>
         <p:nvPicPr>
-          <p:cNvPr id="4" name="Picture 3">
+          <p:cNvPr id="5" name="Content Placeholder 4">
             <a:extLst>
               <a:ext uri="{FF2B5EF4-FFF2-40B4-BE49-F238E27FC236}">
-                <a16:creationId xmlns:a16="http://schemas.microsoft.com/office/drawing/2014/main" id="{4573BDD6-5494-239D-0AD2-4D4D4A30EA66}"/>
+                <a16:creationId xmlns:a16="http://schemas.microsoft.com/office/drawing/2014/main" id="{D6DE077E-CB06-7502-1811-F3F31EC35038}"/>
               </a:ext>
             </a:extLst>
           </p:cNvPr>
           <p:cNvPicPr>
-            <a:picLocks noChangeAspect="1"/>
+            <a:picLocks noGrp="1" noChangeAspect="1"/>
           </p:cNvPicPr>
-          <p:nvPr/>
+          <p:nvPr>
+            <p:ph idx="1"/>
+          </p:nvPr>
         </p:nvPicPr>
         <p:blipFill>
           <a:blip r:embed="rId2">
@@ -7263,18 +8216,15 @@
         </p:blipFill>
         <p:spPr>
           <a:xfrm>
-            <a:off x="780308" y="1204602"/>
-            <a:ext cx="10631384" cy="4448796"/>
+            <a:off x="82062" y="2286000"/>
+            <a:ext cx="11664461" cy="2506134"/>
           </a:xfrm>
-          <a:prstGeom prst="rect">
-            <a:avLst/>
-          </a:prstGeom>
         </p:spPr>
       </p:pic>
     </p:spTree>
     <p:extLst>
       <p:ext uri="{BB962C8B-B14F-4D97-AF65-F5344CB8AC3E}">
-        <p14:creationId xmlns:p14="http://schemas.microsoft.com/office/powerpoint/2010/main" val="766721235"/>
+        <p14:creationId xmlns:p14="http://schemas.microsoft.com/office/powerpoint/2010/main" val="751727124"/>
       </p:ext>
     </p:extLst>
   </p:cSld>
@@ -7301,46 +8251,106 @@
           <a:chExt cx="0" cy="0"/>
         </a:xfrm>
       </p:grpSpPr>
-      <p:pic>
-        <p:nvPicPr>
-          <p:cNvPr id="3" name="Picture 2">
+      <p:sp>
+        <p:nvSpPr>
+          <p:cNvPr id="2" name="Title 1">
             <a:extLst>
               <a:ext uri="{FF2B5EF4-FFF2-40B4-BE49-F238E27FC236}">
-                <a16:creationId xmlns:a16="http://schemas.microsoft.com/office/drawing/2014/main" id="{3608353E-B8E9-1CA6-32AC-68B89DD8D3D7}"/>
+                <a16:creationId xmlns:a16="http://schemas.microsoft.com/office/drawing/2014/main" id="{8E5A1937-C203-83EB-1A28-78F8B637C9CA}"/>
               </a:ext>
             </a:extLst>
           </p:cNvPr>
-          <p:cNvPicPr>
-            <a:picLocks noChangeAspect="1"/>
-          </p:cNvPicPr>
-          <p:nvPr/>
-        </p:nvPicPr>
-        <p:blipFill>
-          <a:blip r:embed="rId2">
+          <p:cNvSpPr>
+            <a:spLocks noGrp="1"/>
+          </p:cNvSpPr>
+          <p:nvPr>
+            <p:ph type="title"/>
+          </p:nvPr>
+        </p:nvSpPr>
+        <p:spPr/>
+        <p:txBody>
+          <a:bodyPr/>
+          <a:lstStyle/>
+          <a:p>
+            <a:r>
+              <a:rPr lang="en-US" sz="3200" dirty="0">
+                <a:solidFill>
+                  <a:schemeClr val="bg1"/>
+                </a:solidFill>
+                <a:latin typeface="+mn-lt"/>
+              </a:rPr>
+              <a:t>Concepts:</a:t>
+            </a:r>
+            <a:br>
+              <a:rPr lang="en-US" dirty="0"/>
+            </a:br>
+            <a:endParaRPr lang="en-IN" dirty="0"/>
+          </a:p>
+        </p:txBody>
+      </p:sp>
+      <p:sp>
+        <p:nvSpPr>
+          <p:cNvPr id="3" name="Content Placeholder 2">
             <a:extLst>
-              <a:ext uri="{28A0092B-C50C-407E-A947-70E740481C1C}">
-                <a14:useLocalDpi xmlns:a14="http://schemas.microsoft.com/office/drawing/2010/main" val="0"/>
+              <a:ext uri="{FF2B5EF4-FFF2-40B4-BE49-F238E27FC236}">
+                <a16:creationId xmlns:a16="http://schemas.microsoft.com/office/drawing/2014/main" id="{BA01487C-05CB-CE24-E51C-FB48215F73A7}"/>
               </a:ext>
             </a:extLst>
-          </a:blip>
-          <a:stretch>
-            <a:fillRect/>
-          </a:stretch>
-        </p:blipFill>
-        <p:spPr>
-          <a:xfrm>
-            <a:off x="1266092" y="211014"/>
-            <a:ext cx="10210799" cy="6389077"/>
-          </a:xfrm>
-          <a:prstGeom prst="rect">
-            <a:avLst/>
-          </a:prstGeom>
-        </p:spPr>
-      </p:pic>
+          </p:cNvPr>
+          <p:cNvSpPr>
+            <a:spLocks noGrp="1"/>
+          </p:cNvSpPr>
+          <p:nvPr>
+            <p:ph idx="1"/>
+          </p:nvPr>
+        </p:nvSpPr>
+        <p:spPr/>
+        <p:txBody>
+          <a:bodyPr>
+            <a:normAutofit/>
+          </a:bodyPr>
+          <a:lstStyle/>
+          <a:p>
+            <a:r>
+              <a:rPr lang="en-US" sz="2400" dirty="0"/>
+              <a:t>AutoTokenizer: This is responsible for breaking the input text into tokens (a process known as tokenization) which the model can process.</a:t>
+            </a:r>
+          </a:p>
+          <a:p>
+            <a:r>
+              <a:rPr lang="en-US" sz="2400" dirty="0"/>
+              <a:t>AutoTokenizer: Tokenizers convert input text into numerical representations that the model can understand. They also handle converting output tokens back into human-readable text.</a:t>
+            </a:r>
+          </a:p>
+          <a:p>
+            <a:r>
+              <a:rPr lang="en-US" sz="2400" dirty="0"/>
+              <a:t>AutoModelForSeq2SeqLM: This is the model class specifically designed …model (in this case, the opus-mt-</a:t>
+            </a:r>
+            <a:r>
+              <a:rPr lang="en-US" sz="2400" dirty="0" err="1"/>
+              <a:t>mul</a:t>
+            </a:r>
+            <a:r>
+              <a:rPr lang="en-US" sz="2400" dirty="0"/>
+              <a:t>-</a:t>
+            </a:r>
+            <a:r>
+              <a:rPr lang="en-US" sz="2400" dirty="0" err="1"/>
+              <a:t>en</a:t>
+            </a:r>
+            <a:r>
+              <a:rPr lang="en-US" sz="2400" dirty="0"/>
+              <a:t> model from Helsinki-NLP). The variable tokenizer_translate is used to tokenize text for translation.</a:t>
+            </a:r>
+            <a:endParaRPr lang="en-IN" sz="2400" dirty="0"/>
+          </a:p>
+        </p:txBody>
+      </p:sp>
     </p:spTree>
     <p:extLst>
       <p:ext uri="{BB962C8B-B14F-4D97-AF65-F5344CB8AC3E}">
-        <p14:creationId xmlns:p14="http://schemas.microsoft.com/office/powerpoint/2010/main" val="2732550488"/>
+        <p14:creationId xmlns:p14="http://schemas.microsoft.com/office/powerpoint/2010/main" val="2446052751"/>
       </p:ext>
     </p:extLst>
   </p:cSld>
